--- a/lectures/lecture-13/B00-Live-Cao/Lecture 13 - Lecture.pptx
+++ b/lectures/lecture-13/B00-Live-Cao/Lecture 13 - Lecture.pptx
@@ -6887,18 +6887,18 @@
           <a:p>
             <a:r>
               <a:rPr lang="en-US" dirty="0"/>
-              <a:t>Quiz 13 due Wednesday @ </a:t>
+              <a:t>Quiz 13 due Monday @ </a:t>
             </a:r>
             <a:r>
               <a:rPr lang="en-US" dirty="0" err="1"/>
-              <a:t>9am</a:t>
+              <a:t>8am</a:t>
             </a:r>
             <a:endParaRPr lang="en-US" dirty="0"/>
           </a:p>
           <a:p>
             <a:r>
               <a:rPr lang="en-US" dirty="0"/>
-              <a:t>Survey 5 due Friday @ </a:t>
+              <a:t>Survey 5 due tonight @ </a:t>
             </a:r>
             <a:r>
               <a:rPr lang="en-US" dirty="0" err="1"/>
@@ -6908,8 +6908,12 @@
           </a:p>
           <a:p>
             <a:r>
+              <a:rPr lang="en-US" dirty="0" err="1"/>
+              <a:t>PA5</a:t>
+            </a:r>
+            <a:r>
               <a:rPr lang="en-US" dirty="0"/>
-              <a:t>PA4 due Wednesday @ 11:59pm</a:t>
+              <a:t> due Wednesday @ 11:59pm</a:t>
             </a:r>
           </a:p>
         </p:txBody>
